--- a/documentation/LivrablesP5/Powerpoint projet DMX.pptx
+++ b/documentation/LivrablesP5/Powerpoint projet DMX.pptx
@@ -18109,28 +18109,28 @@
       </p:sp>
       <p:pic>
         <p:nvPicPr>
-          <p:cNvPr id="2" name="Image 1"/>
+          <p:cNvPr id="4" name="Image 3">
+            <a:extLst>
+              <a:ext uri="{FF2B5EF4-FFF2-40B4-BE49-F238E27FC236}">
+                <a16:creationId xmlns:a16="http://schemas.microsoft.com/office/drawing/2014/main" id="{FB1AFA94-7ED4-EA87-5C06-4A31B7A490F1}"/>
+              </a:ext>
+            </a:extLst>
+          </p:cNvPr>
           <p:cNvPicPr>
             <a:picLocks noChangeAspect="1"/>
           </p:cNvPicPr>
           <p:nvPr/>
         </p:nvPicPr>
         <p:blipFill>
-          <a:blip r:embed="rId3">
-            <a:extLst>
-              <a:ext uri="{28A0092B-C50C-407E-A947-70E740481C1C}">
-                <a14:useLocalDpi xmlns:a14="http://schemas.microsoft.com/office/drawing/2010/main" val="0"/>
-              </a:ext>
-            </a:extLst>
-          </a:blip>
+          <a:blip r:embed="rId3"/>
           <a:stretch>
             <a:fillRect/>
           </a:stretch>
         </p:blipFill>
         <p:spPr>
           <a:xfrm>
-            <a:off x="1033509" y="1324168"/>
-            <a:ext cx="4367983" cy="3115295"/>
+            <a:off x="1003492" y="1012724"/>
+            <a:ext cx="4285016" cy="2943199"/>
           </a:xfrm>
           <a:prstGeom prst="rect">
             <a:avLst/>
